--- a/slides/2_conditions.pptx
+++ b/slides/2_conditions.pptx
@@ -219,7 +219,7 @@
           <a:p>
             <a:fld id="{85EF5437-F444-4613-A039-4AD69D91C86A}" type="datetimeFigureOut">
               <a:rPr lang="ru-RU" smtClean="0"/>
-              <a:t>16.09.2023</a:t>
+              <a:t>24.09.2023</a:t>
             </a:fld>
             <a:endParaRPr lang="ru-RU"/>
           </a:p>
@@ -1541,7 +1541,7 @@
           <a:p>
             <a:fld id="{58BF7D01-7D49-4F37-AA30-F04C65571A4A}" type="datetimeFigureOut">
               <a:rPr lang="ru-RU" smtClean="0"/>
-              <a:t>16.09.2023</a:t>
+              <a:t>24.09.2023</a:t>
             </a:fld>
             <a:endParaRPr lang="ru-RU"/>
           </a:p>
@@ -1711,7 +1711,7 @@
           <a:p>
             <a:fld id="{58BF7D01-7D49-4F37-AA30-F04C65571A4A}" type="datetimeFigureOut">
               <a:rPr lang="ru-RU" smtClean="0"/>
-              <a:t>16.09.2023</a:t>
+              <a:t>24.09.2023</a:t>
             </a:fld>
             <a:endParaRPr lang="ru-RU"/>
           </a:p>
@@ -1891,7 +1891,7 @@
           <a:p>
             <a:fld id="{58BF7D01-7D49-4F37-AA30-F04C65571A4A}" type="datetimeFigureOut">
               <a:rPr lang="ru-RU" smtClean="0"/>
-              <a:t>16.09.2023</a:t>
+              <a:t>24.09.2023</a:t>
             </a:fld>
             <a:endParaRPr lang="ru-RU"/>
           </a:p>
@@ -2061,7 +2061,7 @@
           <a:p>
             <a:fld id="{58BF7D01-7D49-4F37-AA30-F04C65571A4A}" type="datetimeFigureOut">
               <a:rPr lang="ru-RU" smtClean="0"/>
-              <a:t>16.09.2023</a:t>
+              <a:t>24.09.2023</a:t>
             </a:fld>
             <a:endParaRPr lang="ru-RU"/>
           </a:p>
@@ -2307,7 +2307,7 @@
           <a:p>
             <a:fld id="{58BF7D01-7D49-4F37-AA30-F04C65571A4A}" type="datetimeFigureOut">
               <a:rPr lang="ru-RU" smtClean="0"/>
-              <a:t>16.09.2023</a:t>
+              <a:t>24.09.2023</a:t>
             </a:fld>
             <a:endParaRPr lang="ru-RU"/>
           </a:p>
@@ -2539,7 +2539,7 @@
           <a:p>
             <a:fld id="{58BF7D01-7D49-4F37-AA30-F04C65571A4A}" type="datetimeFigureOut">
               <a:rPr lang="ru-RU" smtClean="0"/>
-              <a:t>16.09.2023</a:t>
+              <a:t>24.09.2023</a:t>
             </a:fld>
             <a:endParaRPr lang="ru-RU"/>
           </a:p>
@@ -2906,7 +2906,7 @@
           <a:p>
             <a:fld id="{58BF7D01-7D49-4F37-AA30-F04C65571A4A}" type="datetimeFigureOut">
               <a:rPr lang="ru-RU" smtClean="0"/>
-              <a:t>16.09.2023</a:t>
+              <a:t>24.09.2023</a:t>
             </a:fld>
             <a:endParaRPr lang="ru-RU"/>
           </a:p>
@@ -3024,7 +3024,7 @@
           <a:p>
             <a:fld id="{58BF7D01-7D49-4F37-AA30-F04C65571A4A}" type="datetimeFigureOut">
               <a:rPr lang="ru-RU" smtClean="0"/>
-              <a:t>16.09.2023</a:t>
+              <a:t>24.09.2023</a:t>
             </a:fld>
             <a:endParaRPr lang="ru-RU"/>
           </a:p>
@@ -3119,7 +3119,7 @@
           <a:p>
             <a:fld id="{58BF7D01-7D49-4F37-AA30-F04C65571A4A}" type="datetimeFigureOut">
               <a:rPr lang="ru-RU" smtClean="0"/>
-              <a:t>16.09.2023</a:t>
+              <a:t>24.09.2023</a:t>
             </a:fld>
             <a:endParaRPr lang="ru-RU"/>
           </a:p>
@@ -3396,7 +3396,7 @@
           <a:p>
             <a:fld id="{58BF7D01-7D49-4F37-AA30-F04C65571A4A}" type="datetimeFigureOut">
               <a:rPr lang="ru-RU" smtClean="0"/>
-              <a:t>16.09.2023</a:t>
+              <a:t>24.09.2023</a:t>
             </a:fld>
             <a:endParaRPr lang="ru-RU"/>
           </a:p>
@@ -3653,7 +3653,7 @@
           <a:p>
             <a:fld id="{58BF7D01-7D49-4F37-AA30-F04C65571A4A}" type="datetimeFigureOut">
               <a:rPr lang="ru-RU" smtClean="0"/>
-              <a:t>16.09.2023</a:t>
+              <a:t>24.09.2023</a:t>
             </a:fld>
             <a:endParaRPr lang="ru-RU"/>
           </a:p>
@@ -3866,7 +3866,7 @@
           <a:p>
             <a:fld id="{58BF7D01-7D49-4F37-AA30-F04C65571A4A}" type="datetimeFigureOut">
               <a:rPr lang="ru-RU" smtClean="0"/>
-              <a:t>16.09.2023</a:t>
+              <a:t>24.09.2023</a:t>
             </a:fld>
             <a:endParaRPr lang="ru-RU"/>
           </a:p>
@@ -4615,7 +4615,7 @@
               <a:t>scanf</a:t>
             </a:r>
             <a:r>
-              <a:rPr lang="ru-RU" sz="3600" dirty="0">
+              <a:rPr lang="ru-RU" sz="3600">
                 <a:latin typeface="Times New Roman" panose="02020603050405020304" pitchFamily="18" charset="0"/>
                 <a:cs typeface="Times New Roman" panose="02020603050405020304" pitchFamily="18" charset="0"/>
               </a:rPr>
@@ -5997,21 +5997,16 @@
                 <a:latin typeface="Times New Roman" panose="02020603050405020304" pitchFamily="18" charset="0"/>
                 <a:cs typeface="Times New Roman" panose="02020603050405020304" pitchFamily="18" charset="0"/>
               </a:rPr>
-              <a:t>	</a:t>
-            </a:r>
-            <a:r>
-              <a:rPr lang="en-US" sz="3600" dirty="0" err="1">
-                <a:latin typeface="Times New Roman" panose="02020603050405020304" pitchFamily="18" charset="0"/>
-                <a:cs typeface="Times New Roman" panose="02020603050405020304" pitchFamily="18" charset="0"/>
-              </a:rPr>
-              <a:t>printf</a:t>
-            </a:r>
+              <a:t>	printf("condition is true\n");</a:t>
+            </a:r>
+          </a:p>
+          <a:p>
             <a:r>
               <a:rPr lang="en-US" sz="3600" dirty="0">
                 <a:latin typeface="Times New Roman" panose="02020603050405020304" pitchFamily="18" charset="0"/>
                 <a:cs typeface="Times New Roman" panose="02020603050405020304" pitchFamily="18" charset="0"/>
               </a:rPr>
-              <a:t>("condition is true\n");</a:t>
+              <a:t>else </a:t>
             </a:r>
           </a:p>
           <a:p>
@@ -6020,30 +6015,7 @@
                 <a:latin typeface="Times New Roman" panose="02020603050405020304" pitchFamily="18" charset="0"/>
                 <a:cs typeface="Times New Roman" panose="02020603050405020304" pitchFamily="18" charset="0"/>
               </a:rPr>
-              <a:t>else </a:t>
-            </a:r>
-          </a:p>
-          <a:p>
-            <a:r>
-              <a:rPr lang="en-US" sz="3600" dirty="0">
-                <a:latin typeface="Times New Roman" panose="02020603050405020304" pitchFamily="18" charset="0"/>
-                <a:cs typeface="Times New Roman" panose="02020603050405020304" pitchFamily="18" charset="0"/>
-              </a:rPr>
-              <a:t>	</a:t>
-            </a:r>
-            <a:r>
-              <a:rPr lang="en-US" sz="3600" dirty="0" err="1">
-                <a:latin typeface="Times New Roman" panose="02020603050405020304" pitchFamily="18" charset="0"/>
-                <a:cs typeface="Times New Roman" panose="02020603050405020304" pitchFamily="18" charset="0"/>
-              </a:rPr>
-              <a:t>printf</a:t>
-            </a:r>
-            <a:r>
-              <a:rPr lang="en-US" sz="3600" dirty="0">
-                <a:latin typeface="Times New Roman" panose="02020603050405020304" pitchFamily="18" charset="0"/>
-                <a:cs typeface="Times New Roman" panose="02020603050405020304" pitchFamily="18" charset="0"/>
-              </a:rPr>
-              <a:t>("condition is false\n");</a:t>
+              <a:t>	printf("condition is false\n");</a:t>
             </a:r>
           </a:p>
           <a:p>
@@ -7918,7 +7890,7 @@
           <p:nvPr>
             <p:extLst>
               <p:ext uri="{D42A27DB-BD31-4B8C-83A1-F6EECF244321}">
-                <p14:modId xmlns:p14="http://schemas.microsoft.com/office/powerpoint/2010/main" val="1040376593"/>
+                <p14:modId xmlns:p14="http://schemas.microsoft.com/office/powerpoint/2010/main" val="996382379"/>
               </p:ext>
             </p:extLst>
           </p:nvPr>
@@ -8088,6 +8060,32 @@
                           <a:cs typeface="Times New Roman" panose="02020603050405020304" pitchFamily="18" charset="0"/>
                         </a:rPr>
                         <a:t>int a = 3, b = 5;</a:t>
+                      </a:r>
+                    </a:p>
+                    <a:p>
+                      <a:pPr marL="0" marR="0" lvl="0" indent="0" algn="l" defTabSz="914400" rtl="0" eaLnBrk="1" fontAlgn="auto" latinLnBrk="0" hangingPunct="1">
+                        <a:lnSpc>
+                          <a:spcPct val="100000"/>
+                        </a:lnSpc>
+                        <a:spcBef>
+                          <a:spcPts val="0"/>
+                        </a:spcBef>
+                        <a:spcAft>
+                          <a:spcPts val="0"/>
+                        </a:spcAft>
+                        <a:buClrTx/>
+                        <a:buSzTx/>
+                        <a:buFontTx/>
+                        <a:buNone/>
+                        <a:tabLst/>
+                        <a:defRPr/>
+                      </a:pPr>
+                      <a:r>
+                        <a:rPr lang="en-US" sz="2400" dirty="0">
+                          <a:latin typeface="Times New Roman" panose="02020603050405020304" pitchFamily="18" charset="0"/>
+                          <a:cs typeface="Times New Roman" panose="02020603050405020304" pitchFamily="18" charset="0"/>
+                        </a:rPr>
+                        <a:t>int max;</a:t>
                       </a:r>
                     </a:p>
                     <a:p>
